--- a/doc/结项展示.pptx
+++ b/doc/结项展示.pptx
@@ -4965,6 +4965,13 @@
             <a:avLst/>
           </a:prstGeom>
           <a:noFill/>
+          <a:effectLst>
+            <a:outerShdw blurRad="63500" sx="102000" sy="102000" algn="ctr" rotWithShape="0">
+              <a:prstClr val="black">
+                <a:alpha val="40000"/>
+              </a:prstClr>
+            </a:outerShdw>
+          </a:effectLst>
           <a:extLst>
             <a:ext uri="{909E8E84-426E-40DD-AFC4-6F175D3DCCD1}">
               <a14:hiddenFill xmlns:a14="http://schemas.microsoft.com/office/drawing/2010/main">
@@ -6890,7 +6897,13 @@
           <a:prstGeom prst="rect">
             <a:avLst/>
           </a:prstGeom>
-          <a:effectLst/>
+          <a:effectLst>
+            <a:outerShdw blurRad="63500" sx="102000" sy="102000" algn="ctr" rotWithShape="0">
+              <a:prstClr val="black">
+                <a:alpha val="40000"/>
+              </a:prstClr>
+            </a:outerShdw>
+          </a:effectLst>
         </p:spPr>
       </p:pic>
       <p:sp>
@@ -6967,7 +6980,13 @@
           <a:prstGeom prst="rect">
             <a:avLst/>
           </a:prstGeom>
-          <a:effectLst/>
+          <a:effectLst>
+            <a:outerShdw blurRad="63500" sx="102000" sy="102000" algn="ctr" rotWithShape="0">
+              <a:prstClr val="black">
+                <a:alpha val="40000"/>
+              </a:prstClr>
+            </a:outerShdw>
+          </a:effectLst>
         </p:spPr>
       </p:pic>
     </p:spTree>
@@ -7205,7 +7224,13 @@
           <a:prstGeom prst="rect">
             <a:avLst/>
           </a:prstGeom>
-          <a:effectLst/>
+          <a:effectLst>
+            <a:outerShdw blurRad="63500" sx="102000" sy="102000" algn="ctr" rotWithShape="0">
+              <a:prstClr val="black">
+                <a:alpha val="40000"/>
+              </a:prstClr>
+            </a:outerShdw>
+          </a:effectLst>
         </p:spPr>
       </p:pic>
       <p:pic>
@@ -7242,7 +7267,13 @@
           <a:prstGeom prst="rect">
             <a:avLst/>
           </a:prstGeom>
-          <a:effectLst/>
+          <a:effectLst>
+            <a:outerShdw blurRad="63500" sx="102000" sy="102000" algn="ctr" rotWithShape="0">
+              <a:prstClr val="black">
+                <a:alpha val="40000"/>
+              </a:prstClr>
+            </a:outerShdw>
+          </a:effectLst>
         </p:spPr>
       </p:pic>
       <p:sp>
@@ -11244,14 +11275,20 @@
         </p:blipFill>
         <p:spPr bwMode="auto">
           <a:xfrm>
-            <a:off x="5623249" y="855114"/>
+            <a:off x="5623249" y="861130"/>
             <a:ext cx="3886200" cy="5539740"/>
           </a:xfrm>
           <a:prstGeom prst="rect">
             <a:avLst/>
           </a:prstGeom>
           <a:noFill/>
-          <a:effectLst/>
+          <a:effectLst>
+            <a:outerShdw blurRad="63500" sx="102000" sy="102000" algn="ctr" rotWithShape="0">
+              <a:prstClr val="black">
+                <a:alpha val="40000"/>
+              </a:prstClr>
+            </a:outerShdw>
+          </a:effectLst>
           <a:extLst>
             <a:ext uri="{909E8E84-426E-40DD-AFC4-6F175D3DCCD1}">
               <a14:hiddenFill xmlns:a14="http://schemas.microsoft.com/office/drawing/2010/main">
@@ -13484,6 +13521,13 @@
             <a:avLst/>
           </a:prstGeom>
           <a:noFill/>
+          <a:effectLst>
+            <a:outerShdw blurRad="63500" sx="102000" sy="102000" algn="ctr" rotWithShape="0">
+              <a:prstClr val="black">
+                <a:alpha val="40000"/>
+              </a:prstClr>
+            </a:outerShdw>
+          </a:effectLst>
           <a:extLst>
             <a:ext uri="{909E8E84-426E-40DD-AFC4-6F175D3DCCD1}">
               <a14:hiddenFill xmlns:a14="http://schemas.microsoft.com/office/drawing/2010/main">
